--- a/Design.pptx
+++ b/Design.pptx
@@ -244,7 +244,7 @@
           <a:p>
             <a:fld id="{048916EB-E40D-174F-8CB1-222FBBD28AF0}" type="datetimeFigureOut">
               <a:rPr lang="en-US" smtClean="0"/>
-              <a:t>5/19/20</a:t>
+              <a:t>5/20/20</a:t>
             </a:fld>
             <a:endParaRPr lang="en-US"/>
           </a:p>
@@ -414,7 +414,7 @@
           <a:p>
             <a:fld id="{048916EB-E40D-174F-8CB1-222FBBD28AF0}" type="datetimeFigureOut">
               <a:rPr lang="en-US" smtClean="0"/>
-              <a:t>5/19/20</a:t>
+              <a:t>5/20/20</a:t>
             </a:fld>
             <a:endParaRPr lang="en-US"/>
           </a:p>
@@ -594,7 +594,7 @@
           <a:p>
             <a:fld id="{048916EB-E40D-174F-8CB1-222FBBD28AF0}" type="datetimeFigureOut">
               <a:rPr lang="en-US" smtClean="0"/>
-              <a:t>5/19/20</a:t>
+              <a:t>5/20/20</a:t>
             </a:fld>
             <a:endParaRPr lang="en-US"/>
           </a:p>
@@ -764,7 +764,7 @@
           <a:p>
             <a:fld id="{048916EB-E40D-174F-8CB1-222FBBD28AF0}" type="datetimeFigureOut">
               <a:rPr lang="en-US" smtClean="0"/>
-              <a:t>5/19/20</a:t>
+              <a:t>5/20/20</a:t>
             </a:fld>
             <a:endParaRPr lang="en-US"/>
           </a:p>
@@ -1008,7 +1008,7 @@
           <a:p>
             <a:fld id="{048916EB-E40D-174F-8CB1-222FBBD28AF0}" type="datetimeFigureOut">
               <a:rPr lang="en-US" smtClean="0"/>
-              <a:t>5/19/20</a:t>
+              <a:t>5/20/20</a:t>
             </a:fld>
             <a:endParaRPr lang="en-US"/>
           </a:p>
@@ -1240,7 +1240,7 @@
           <a:p>
             <a:fld id="{048916EB-E40D-174F-8CB1-222FBBD28AF0}" type="datetimeFigureOut">
               <a:rPr lang="en-US" smtClean="0"/>
-              <a:t>5/19/20</a:t>
+              <a:t>5/20/20</a:t>
             </a:fld>
             <a:endParaRPr lang="en-US"/>
           </a:p>
@@ -1607,7 +1607,7 @@
           <a:p>
             <a:fld id="{048916EB-E40D-174F-8CB1-222FBBD28AF0}" type="datetimeFigureOut">
               <a:rPr lang="en-US" smtClean="0"/>
-              <a:t>5/19/20</a:t>
+              <a:t>5/20/20</a:t>
             </a:fld>
             <a:endParaRPr lang="en-US"/>
           </a:p>
@@ -1725,7 +1725,7 @@
           <a:p>
             <a:fld id="{048916EB-E40D-174F-8CB1-222FBBD28AF0}" type="datetimeFigureOut">
               <a:rPr lang="en-US" smtClean="0"/>
-              <a:t>5/19/20</a:t>
+              <a:t>5/20/20</a:t>
             </a:fld>
             <a:endParaRPr lang="en-US"/>
           </a:p>
@@ -1820,7 +1820,7 @@
           <a:p>
             <a:fld id="{048916EB-E40D-174F-8CB1-222FBBD28AF0}" type="datetimeFigureOut">
               <a:rPr lang="en-US" smtClean="0"/>
-              <a:t>5/19/20</a:t>
+              <a:t>5/20/20</a:t>
             </a:fld>
             <a:endParaRPr lang="en-US"/>
           </a:p>
@@ -2097,7 +2097,7 @@
           <a:p>
             <a:fld id="{048916EB-E40D-174F-8CB1-222FBBD28AF0}" type="datetimeFigureOut">
               <a:rPr lang="en-US" smtClean="0"/>
-              <a:t>5/19/20</a:t>
+              <a:t>5/20/20</a:t>
             </a:fld>
             <a:endParaRPr lang="en-US"/>
           </a:p>
@@ -2354,7 +2354,7 @@
           <a:p>
             <a:fld id="{048916EB-E40D-174F-8CB1-222FBBD28AF0}" type="datetimeFigureOut">
               <a:rPr lang="en-US" smtClean="0"/>
-              <a:t>5/19/20</a:t>
+              <a:t>5/20/20</a:t>
             </a:fld>
             <a:endParaRPr lang="en-US"/>
           </a:p>
@@ -2567,7 +2567,7 @@
           <a:p>
             <a:fld id="{048916EB-E40D-174F-8CB1-222FBBD28AF0}" type="datetimeFigureOut">
               <a:rPr lang="en-US" smtClean="0"/>
-              <a:t>5/19/20</a:t>
+              <a:t>5/20/20</a:t>
             </a:fld>
             <a:endParaRPr lang="en-US"/>
           </a:p>
@@ -3557,6 +3557,78 @@
           </p:spPr>
         </p:pic>
       </p:grpSp>
+      <p:sp>
+        <p:nvSpPr>
+          <p:cNvPr id="22" name="TextBox 21">
+            <a:extLst>
+              <a:ext uri="{FF2B5EF4-FFF2-40B4-BE49-F238E27FC236}">
+                <a16:creationId xmlns:a16="http://schemas.microsoft.com/office/drawing/2014/main" id="{5E04BFC6-6C0C-EA41-87FB-B5150F20CC50}"/>
+              </a:ext>
+            </a:extLst>
+          </p:cNvPr>
+          <p:cNvSpPr txBox="1"/>
+          <p:nvPr/>
+        </p:nvSpPr>
+        <p:spPr>
+          <a:xfrm>
+            <a:off x="1845132" y="1851648"/>
+            <a:ext cx="2301904" cy="307777"/>
+          </a:xfrm>
+          <a:prstGeom prst="rect">
+            <a:avLst/>
+          </a:prstGeom>
+          <a:noFill/>
+        </p:spPr>
+        <p:txBody>
+          <a:bodyPr wrap="square" rtlCol="0">
+            <a:spAutoFit/>
+          </a:bodyPr>
+          <a:lstStyle/>
+          <a:p>
+            <a:pPr algn="ctr"/>
+            <a:r>
+              <a:rPr lang="en-US" sz="1400" dirty="0"/>
+              <a:t>AWS Elastic Beanstalk</a:t>
+            </a:r>
+          </a:p>
+        </p:txBody>
+      </p:sp>
+      <p:pic>
+        <p:nvPicPr>
+          <p:cNvPr id="25" name="Graphic 24">
+            <a:extLst>
+              <a:ext uri="{FF2B5EF4-FFF2-40B4-BE49-F238E27FC236}">
+                <a16:creationId xmlns:a16="http://schemas.microsoft.com/office/drawing/2014/main" id="{E7298A02-FA56-DA4F-B45F-32DD5EBB5E3F}"/>
+              </a:ext>
+            </a:extLst>
+          </p:cNvPr>
+          <p:cNvPicPr>
+            <a:picLocks noChangeAspect="1"/>
+          </p:cNvPicPr>
+          <p:nvPr/>
+        </p:nvPicPr>
+        <p:blipFill>
+          <a:blip r:embed="rId16">
+            <a:extLst>
+              <a:ext uri="{96DAC541-7B7A-43D3-8B79-37D633B846F1}">
+                <asvg:svgBlip xmlns:asvg="http://schemas.microsoft.com/office/drawing/2016/SVG/main" r:embed="rId17"/>
+              </a:ext>
+            </a:extLst>
+          </a:blip>
+          <a:stretch>
+            <a:fillRect/>
+          </a:stretch>
+        </p:blipFill>
+        <p:spPr>
+          <a:xfrm>
+            <a:off x="2614185" y="1140448"/>
+            <a:ext cx="711200" cy="711200"/>
+          </a:xfrm>
+          <a:prstGeom prst="rect">
+            <a:avLst/>
+          </a:prstGeom>
+        </p:spPr>
+      </p:pic>
     </p:spTree>
     <p:extLst>
       <p:ext uri="{BB962C8B-B14F-4D97-AF65-F5344CB8AC3E}">
@@ -3738,7 +3810,7 @@
         </p:nvGrpSpPr>
         <p:grpSpPr>
           <a:xfrm>
-            <a:off x="3539033" y="7189288"/>
+            <a:off x="3539033" y="7120456"/>
             <a:ext cx="1506552" cy="1018980"/>
             <a:chOff x="2973558" y="2580924"/>
             <a:chExt cx="1506552" cy="1018980"/>
@@ -4117,7 +4189,7 @@
         </p:nvCxnSpPr>
         <p:spPr>
           <a:xfrm>
-            <a:off x="2286682" y="7541843"/>
+            <a:off x="2286682" y="7464249"/>
             <a:ext cx="1436806" cy="0"/>
           </a:xfrm>
           <a:prstGeom prst="straightConnector1">
@@ -4158,7 +4230,7 @@
         </p:nvCxnSpPr>
         <p:spPr>
           <a:xfrm>
-            <a:off x="4850538" y="7544291"/>
+            <a:off x="4850538" y="7464249"/>
             <a:ext cx="1436806" cy="0"/>
           </a:xfrm>
           <a:prstGeom prst="straightConnector1">
@@ -4183,53 +4255,6 @@
           </a:fontRef>
         </p:style>
       </p:cxnSp>
-      <p:sp>
-        <p:nvSpPr>
-          <p:cNvPr id="55" name="TextBox 54">
-            <a:extLst>
-              <a:ext uri="{FF2B5EF4-FFF2-40B4-BE49-F238E27FC236}">
-                <a16:creationId xmlns:a16="http://schemas.microsoft.com/office/drawing/2014/main" id="{44146240-E256-8C4E-8F68-30963FB3ECBA}"/>
-              </a:ext>
-            </a:extLst>
-          </p:cNvPr>
-          <p:cNvSpPr txBox="1"/>
-          <p:nvPr/>
-        </p:nvSpPr>
-        <p:spPr>
-          <a:xfrm>
-            <a:off x="4826911" y="7112613"/>
-            <a:ext cx="1506552" cy="382092"/>
-          </a:xfrm>
-          <a:prstGeom prst="rect">
-            <a:avLst/>
-          </a:prstGeom>
-          <a:noFill/>
-        </p:spPr>
-        <p:txBody>
-          <a:bodyPr wrap="square" rtlCol="0">
-            <a:spAutoFit/>
-          </a:bodyPr>
-          <a:lstStyle/>
-          <a:p>
-            <a:pPr algn="ctr">
-              <a:lnSpc>
-                <a:spcPct val="150000"/>
-              </a:lnSpc>
-            </a:pPr>
-            <a:r>
-              <a:rPr lang="en-US" sz="1400" dirty="0">
-                <a:solidFill>
-                  <a:schemeClr val="accent6"/>
-                </a:solidFill>
-                <a:latin typeface="+mj-lt"/>
-                <a:ea typeface="Amazon Ember" panose="020B0603020204020204" pitchFamily="34" charset="0"/>
-                <a:cs typeface="Amazon Ember" panose="020B0603020204020204" pitchFamily="34" charset="0"/>
-              </a:rPr>
-              <a:t>Discover data</a:t>
-            </a:r>
-          </a:p>
-        </p:txBody>
-      </p:sp>
       <p:grpSp>
         <p:nvGrpSpPr>
           <p:cNvPr id="57" name="Group 56">
@@ -4337,7 +4362,7 @@
         </p:nvSpPr>
         <p:spPr>
           <a:xfrm>
-            <a:off x="4969403" y="3243247"/>
+            <a:off x="4875147" y="3265191"/>
             <a:ext cx="1414478" cy="307777"/>
           </a:xfrm>
           <a:prstGeom prst="rect">
@@ -4614,7 +4639,7 @@
         </p:nvGrpSpPr>
         <p:grpSpPr>
           <a:xfrm>
-            <a:off x="5687962" y="7193601"/>
+            <a:off x="5687962" y="7120456"/>
             <a:ext cx="2301904" cy="1065869"/>
             <a:chOff x="1206938" y="3943672"/>
             <a:chExt cx="2301904" cy="1065869"/>
@@ -4709,7 +4734,7 @@
         </p:nvCxnSpPr>
         <p:spPr>
           <a:xfrm>
-            <a:off x="7370881" y="7520009"/>
+            <a:off x="7347619" y="7411699"/>
             <a:ext cx="1436806" cy="0"/>
           </a:xfrm>
           <a:prstGeom prst="straightConnector1">
@@ -4734,53 +4759,6 @@
           </a:fontRef>
         </p:style>
       </p:cxnSp>
-      <p:sp>
-        <p:nvSpPr>
-          <p:cNvPr id="75" name="TextBox 74">
-            <a:extLst>
-              <a:ext uri="{FF2B5EF4-FFF2-40B4-BE49-F238E27FC236}">
-                <a16:creationId xmlns:a16="http://schemas.microsoft.com/office/drawing/2014/main" id="{02F85918-7CB8-6445-8583-9418F536A207}"/>
-              </a:ext>
-            </a:extLst>
-          </p:cNvPr>
-          <p:cNvSpPr txBox="1"/>
-          <p:nvPr/>
-        </p:nvSpPr>
-        <p:spPr>
-          <a:xfrm>
-            <a:off x="7347254" y="7088331"/>
-            <a:ext cx="1506552" cy="382092"/>
-          </a:xfrm>
-          <a:prstGeom prst="rect">
-            <a:avLst/>
-          </a:prstGeom>
-          <a:noFill/>
-        </p:spPr>
-        <p:txBody>
-          <a:bodyPr wrap="square" rtlCol="0">
-            <a:spAutoFit/>
-          </a:bodyPr>
-          <a:lstStyle/>
-          <a:p>
-            <a:pPr algn="ctr">
-              <a:lnSpc>
-                <a:spcPct val="150000"/>
-              </a:lnSpc>
-            </a:pPr>
-            <a:r>
-              <a:rPr lang="en-US" sz="1400" dirty="0">
-                <a:solidFill>
-                  <a:schemeClr val="accent6"/>
-                </a:solidFill>
-                <a:latin typeface="+mj-lt"/>
-                <a:ea typeface="Amazon Ember" panose="020B0603020204020204" pitchFamily="34" charset="0"/>
-                <a:cs typeface="Amazon Ember" panose="020B0603020204020204" pitchFamily="34" charset="0"/>
-              </a:rPr>
-              <a:t>Discover data</a:t>
-            </a:r>
-          </a:p>
-        </p:txBody>
-      </p:sp>
       <p:cxnSp>
         <p:nvCxnSpPr>
           <p:cNvPr id="76" name="Elbow Connector 75">
@@ -4804,7 +4782,7 @@
           </a:xfrm>
           <a:prstGeom prst="bentConnector3">
             <a:avLst>
-              <a:gd name="adj1" fmla="val -73177241"/>
+              <a:gd name="adj1" fmla="val -16739895"/>
             </a:avLst>
           </a:prstGeom>
           <a:ln>
@@ -4839,8 +4817,8 @@
           <p:nvPr/>
         </p:nvSpPr>
         <p:spPr>
-          <a:xfrm>
-            <a:off x="9841440" y="7139275"/>
+          <a:xfrm rot="5400000">
+            <a:off x="9545604" y="6303144"/>
             <a:ext cx="1436806" cy="307777"/>
           </a:xfrm>
           <a:prstGeom prst="rect">
@@ -4969,7 +4947,7 @@
         </p:nvSpPr>
         <p:spPr>
           <a:xfrm>
-            <a:off x="7398258" y="3233140"/>
+            <a:off x="7408768" y="3254160"/>
             <a:ext cx="1414478" cy="307777"/>
           </a:xfrm>
           <a:prstGeom prst="rect">
@@ -5053,8 +5031,8 @@
         </p:nvSpPr>
         <p:spPr>
           <a:xfrm>
-            <a:off x="7242899" y="1130025"/>
-            <a:ext cx="1414478" cy="307777"/>
+            <a:off x="7059815" y="1161643"/>
+            <a:ext cx="1853783" cy="307777"/>
           </a:xfrm>
           <a:prstGeom prst="rect">
             <a:avLst/>
@@ -5069,7 +5047,7 @@
           <a:p>
             <a:pPr algn="ctr"/>
             <a:r>
-              <a:rPr lang="en-US" sz="1400" dirty="0" err="1">
+              <a:rPr lang="en-US" sz="1400" dirty="0">
                 <a:solidFill>
                   <a:schemeClr val="accent6"/>
                 </a:solidFill>
@@ -5077,16 +5055,8 @@
                 <a:ea typeface="Amazon Ember" panose="020B0603020204020204" pitchFamily="34" charset="0"/>
                 <a:cs typeface="Amazon Ember" panose="020B0603020204020204" pitchFamily="34" charset="0"/>
               </a:rPr>
-              <a:t>GetWorkSpaces</a:t>
-            </a:r>
-            <a:endParaRPr lang="en-US" sz="1400" dirty="0">
-              <a:solidFill>
-                <a:schemeClr val="accent6"/>
-              </a:solidFill>
-              <a:latin typeface="+mj-lt"/>
-              <a:ea typeface="Amazon Ember" panose="020B0603020204020204" pitchFamily="34" charset="0"/>
-              <a:cs typeface="Amazon Ember" panose="020B0603020204020204" pitchFamily="34" charset="0"/>
-            </a:endParaRPr>
+              <a:t>Describe WorkSpaces</a:t>
+            </a:r>
           </a:p>
         </p:txBody>
       </p:sp>
@@ -5132,25 +5102,7 @@
                 <a:ea typeface="Amazon Ember" panose="020B0603020204020204" pitchFamily="34" charset="0"/>
                 <a:cs typeface="Amazon Ember" panose="020B0603020204020204" pitchFamily="34" charset="0"/>
               </a:rPr>
-              <a:t>Save monthly usage</a:t>
-            </a:r>
-          </a:p>
-          <a:p>
-            <a:pPr algn="ctr">
-              <a:lnSpc>
-                <a:spcPct val="150000"/>
-              </a:lnSpc>
-            </a:pPr>
-            <a:r>
-              <a:rPr lang="en-US" sz="1400" dirty="0">
-                <a:solidFill>
-                  <a:schemeClr val="accent6"/>
-                </a:solidFill>
-                <a:latin typeface="+mj-lt"/>
-                <a:ea typeface="Amazon Ember" panose="020B0603020204020204" pitchFamily="34" charset="0"/>
-                <a:cs typeface="Amazon Ember" panose="020B0603020204020204" pitchFamily="34" charset="0"/>
-              </a:rPr>
-              <a:t>as .</a:t>
+              <a:t>Save monthly usage (.</a:t>
             </a:r>
             <a:r>
               <a:rPr lang="en-US" sz="1400" dirty="0" err="1">
@@ -5163,14 +5115,240 @@
               </a:rPr>
               <a:t>json.gz</a:t>
             </a:r>
-            <a:endParaRPr lang="en-US" sz="1400" dirty="0">
-              <a:solidFill>
-                <a:schemeClr val="accent6"/>
-              </a:solidFill>
-              <a:latin typeface="+mj-lt"/>
-              <a:ea typeface="Amazon Ember" panose="020B0603020204020204" pitchFamily="34" charset="0"/>
-              <a:cs typeface="Amazon Ember" panose="020B0603020204020204" pitchFamily="34" charset="0"/>
-            </a:endParaRPr>
+            <a:r>
+              <a:rPr lang="en-US" sz="1400" dirty="0">
+                <a:solidFill>
+                  <a:schemeClr val="accent6"/>
+                </a:solidFill>
+                <a:latin typeface="+mj-lt"/>
+                <a:ea typeface="Amazon Ember" panose="020B0603020204020204" pitchFamily="34" charset="0"/>
+                <a:cs typeface="Amazon Ember" panose="020B0603020204020204" pitchFamily="34" charset="0"/>
+              </a:rPr>
+              <a:t>)</a:t>
+            </a:r>
+          </a:p>
+        </p:txBody>
+      </p:sp>
+      <p:cxnSp>
+        <p:nvCxnSpPr>
+          <p:cNvPr id="46" name="Elbow Connector 45">
+            <a:extLst>
+              <a:ext uri="{FF2B5EF4-FFF2-40B4-BE49-F238E27FC236}">
+                <a16:creationId xmlns:a16="http://schemas.microsoft.com/office/drawing/2014/main" id="{A15D2135-55F2-B54A-9BFA-1C94C284CC00}"/>
+              </a:ext>
+            </a:extLst>
+          </p:cNvPr>
+          <p:cNvCxnSpPr>
+            <a:cxnSpLocks/>
+            <a:stCxn id="38" idx="0"/>
+            <a:endCxn id="33" idx="2"/>
+          </p:cNvCxnSpPr>
+          <p:nvPr/>
+        </p:nvCxnSpPr>
+        <p:spPr>
+          <a:xfrm rot="5400000" flipH="1" flipV="1">
+            <a:off x="5024884" y="2992074"/>
+            <a:ext cx="1286374" cy="7315806"/>
+          </a:xfrm>
+          <a:prstGeom prst="bentConnector3">
+            <a:avLst>
+              <a:gd name="adj1" fmla="val 50000"/>
+            </a:avLst>
+          </a:prstGeom>
+          <a:ln>
+            <a:tailEnd type="triangle"/>
+          </a:ln>
+        </p:spPr>
+        <p:style>
+          <a:lnRef idx="1">
+            <a:schemeClr val="accent1"/>
+          </a:lnRef>
+          <a:fillRef idx="0">
+            <a:schemeClr val="accent1"/>
+          </a:fillRef>
+          <a:effectRef idx="0">
+            <a:schemeClr val="accent1"/>
+          </a:effectRef>
+          <a:fontRef idx="minor">
+            <a:schemeClr val="tx1"/>
+          </a:fontRef>
+        </p:style>
+      </p:cxnSp>
+      <p:sp>
+        <p:nvSpPr>
+          <p:cNvPr id="50" name="TextBox 49">
+            <a:extLst>
+              <a:ext uri="{FF2B5EF4-FFF2-40B4-BE49-F238E27FC236}">
+                <a16:creationId xmlns:a16="http://schemas.microsoft.com/office/drawing/2014/main" id="{25656D30-2A0E-E245-B6ED-DA3ED1D086C6}"/>
+              </a:ext>
+            </a:extLst>
+          </p:cNvPr>
+          <p:cNvSpPr txBox="1"/>
+          <p:nvPr/>
+        </p:nvSpPr>
+        <p:spPr>
+          <a:xfrm>
+            <a:off x="2300879" y="7087295"/>
+            <a:ext cx="1506552" cy="382092"/>
+          </a:xfrm>
+          <a:prstGeom prst="rect">
+            <a:avLst/>
+          </a:prstGeom>
+          <a:noFill/>
+        </p:spPr>
+        <p:txBody>
+          <a:bodyPr wrap="square" rtlCol="0">
+            <a:spAutoFit/>
+          </a:bodyPr>
+          <a:lstStyle/>
+          <a:p>
+            <a:pPr algn="ctr">
+              <a:lnSpc>
+                <a:spcPct val="150000"/>
+              </a:lnSpc>
+            </a:pPr>
+            <a:r>
+              <a:rPr lang="en-US" sz="1400" dirty="0">
+                <a:solidFill>
+                  <a:schemeClr val="accent6"/>
+                </a:solidFill>
+                <a:latin typeface="+mj-lt"/>
+                <a:ea typeface="Amazon Ember" panose="020B0603020204020204" pitchFamily="34" charset="0"/>
+                <a:cs typeface="Amazon Ember" panose="020B0603020204020204" pitchFamily="34" charset="0"/>
+              </a:rPr>
+              <a:t>Discover data</a:t>
+            </a:r>
+          </a:p>
+        </p:txBody>
+      </p:sp>
+      <p:sp>
+        <p:nvSpPr>
+          <p:cNvPr id="51" name="TextBox 50">
+            <a:extLst>
+              <a:ext uri="{FF2B5EF4-FFF2-40B4-BE49-F238E27FC236}">
+                <a16:creationId xmlns:a16="http://schemas.microsoft.com/office/drawing/2014/main" id="{BA7C00DF-7D3C-0447-BF24-E3B894397ED3}"/>
+              </a:ext>
+            </a:extLst>
+          </p:cNvPr>
+          <p:cNvSpPr txBox="1"/>
+          <p:nvPr/>
+        </p:nvSpPr>
+        <p:spPr>
+          <a:xfrm>
+            <a:off x="4449542" y="6265986"/>
+            <a:ext cx="2523156" cy="382092"/>
+          </a:xfrm>
+          <a:prstGeom prst="rect">
+            <a:avLst/>
+          </a:prstGeom>
+          <a:noFill/>
+        </p:spPr>
+        <p:txBody>
+          <a:bodyPr wrap="square" rtlCol="0">
+            <a:spAutoFit/>
+          </a:bodyPr>
+          <a:lstStyle/>
+          <a:p>
+            <a:pPr algn="ctr">
+              <a:lnSpc>
+                <a:spcPct val="150000"/>
+              </a:lnSpc>
+            </a:pPr>
+            <a:r>
+              <a:rPr lang="en-US" sz="1400" dirty="0">
+                <a:solidFill>
+                  <a:schemeClr val="accent6"/>
+                </a:solidFill>
+                <a:latin typeface="+mj-lt"/>
+                <a:ea typeface="Amazon Ember" panose="020B0603020204020204" pitchFamily="34" charset="0"/>
+                <a:cs typeface="Amazon Ember" panose="020B0603020204020204" pitchFamily="34" charset="0"/>
+              </a:rPr>
+              <a:t>Load data via signed URLs</a:t>
+            </a:r>
+          </a:p>
+        </p:txBody>
+      </p:sp>
+      <p:cxnSp>
+        <p:nvCxnSpPr>
+          <p:cNvPr id="53" name="Straight Arrow Connector 52">
+            <a:extLst>
+              <a:ext uri="{FF2B5EF4-FFF2-40B4-BE49-F238E27FC236}">
+                <a16:creationId xmlns:a16="http://schemas.microsoft.com/office/drawing/2014/main" id="{72169760-5CA4-E84C-955F-D80F2E4EF8AD}"/>
+              </a:ext>
+            </a:extLst>
+          </p:cNvPr>
+          <p:cNvCxnSpPr>
+            <a:cxnSpLocks/>
+          </p:cNvCxnSpPr>
+          <p:nvPr/>
+        </p:nvCxnSpPr>
+        <p:spPr>
+          <a:xfrm flipH="1">
+            <a:off x="7365548" y="7516799"/>
+            <a:ext cx="1362812" cy="0"/>
+          </a:xfrm>
+          <a:prstGeom prst="straightConnector1">
+            <a:avLst/>
+          </a:prstGeom>
+          <a:ln>
+            <a:tailEnd type="triangle"/>
+          </a:ln>
+        </p:spPr>
+        <p:style>
+          <a:lnRef idx="1">
+            <a:schemeClr val="accent1"/>
+          </a:lnRef>
+          <a:fillRef idx="0">
+            <a:schemeClr val="accent1"/>
+          </a:fillRef>
+          <a:effectRef idx="0">
+            <a:schemeClr val="accent1"/>
+          </a:effectRef>
+          <a:fontRef idx="minor">
+            <a:schemeClr val="tx1"/>
+          </a:fontRef>
+        </p:style>
+      </p:cxnSp>
+      <p:sp>
+        <p:nvSpPr>
+          <p:cNvPr id="54" name="TextBox 53">
+            <a:extLst>
+              <a:ext uri="{FF2B5EF4-FFF2-40B4-BE49-F238E27FC236}">
+                <a16:creationId xmlns:a16="http://schemas.microsoft.com/office/drawing/2014/main" id="{7FBAFE4B-1064-5642-A936-D16F1B93B48F}"/>
+              </a:ext>
+            </a:extLst>
+          </p:cNvPr>
+          <p:cNvSpPr txBox="1"/>
+          <p:nvPr/>
+        </p:nvSpPr>
+        <p:spPr>
+          <a:xfrm>
+            <a:off x="7347619" y="7507248"/>
+            <a:ext cx="1436806" cy="307777"/>
+          </a:xfrm>
+          <a:prstGeom prst="rect">
+            <a:avLst/>
+          </a:prstGeom>
+          <a:noFill/>
+        </p:spPr>
+        <p:txBody>
+          <a:bodyPr wrap="square" rtlCol="0">
+            <a:spAutoFit/>
+          </a:bodyPr>
+          <a:lstStyle/>
+          <a:p>
+            <a:pPr algn="ctr"/>
+            <a:r>
+              <a:rPr lang="en-US" sz="1400" dirty="0">
+                <a:solidFill>
+                  <a:schemeClr val="accent6"/>
+                </a:solidFill>
+                <a:latin typeface="+mj-lt"/>
+                <a:ea typeface="Amazon Ember" panose="020B0603020204020204" pitchFamily="34" charset="0"/>
+                <a:cs typeface="Amazon Ember" panose="020B0603020204020204" pitchFamily="34" charset="0"/>
+              </a:rPr>
+              <a:t>Signed URLs</a:t>
+            </a:r>
           </a:p>
         </p:txBody>
       </p:sp>
